--- a/Requirements_Analysis_and_Specification.pptx
+++ b/Requirements_Analysis_and_Specification.pptx
@@ -16,8 +16,8 @@
     <p:sldId id="261" r:id="rId7"/>
     <p:sldId id="262" r:id="rId8"/>
     <p:sldId id="263" r:id="rId9"/>
-    <p:sldId id="264" r:id="rId10"/>
-    <p:sldId id="265" r:id="rId11"/>
+    <p:sldId id="274" r:id="rId10"/>
+    <p:sldId id="264" r:id="rId11"/>
     <p:sldId id="266" r:id="rId12"/>
     <p:sldId id="267" r:id="rId13"/>
     <p:sldId id="268" r:id="rId14"/>
@@ -235,7 +235,7 @@
           <a:p>
             <a:fld id="{7376592B-A7A0-43DC-AECB-804058AECC04}" type="datetimeFigureOut">
               <a:rPr lang="it-IT" smtClean="0"/>
-              <a:t>12/02/2017</a:t>
+              <a:t>14/02/2017</a:t>
             </a:fld>
             <a:endParaRPr lang="it-IT"/>
           </a:p>
@@ -715,7 +715,7 @@
           <a:p>
             <a:fld id="{BA5B8DD1-B721-4023-905C-8171E2A1AB59}" type="datetime1">
               <a:rPr lang="it-IT" smtClean="0"/>
-              <a:t>12/02/2017</a:t>
+              <a:t>14/02/2017</a:t>
             </a:fld>
             <a:endParaRPr lang="it-IT"/>
           </a:p>
@@ -886,7 +886,7 @@
           <a:p>
             <a:fld id="{B5EC3505-5B62-43A9-B28C-B7807DC3721C}" type="datetime1">
               <a:rPr lang="it-IT" smtClean="0"/>
-              <a:t>12/02/2017</a:t>
+              <a:t>14/02/2017</a:t>
             </a:fld>
             <a:endParaRPr lang="it-IT"/>
           </a:p>
@@ -1067,7 +1067,7 @@
           <a:p>
             <a:fld id="{AC3E9475-89FF-421D-A392-A483A535FE1E}" type="datetime1">
               <a:rPr lang="it-IT" smtClean="0"/>
-              <a:t>12/02/2017</a:t>
+              <a:t>14/02/2017</a:t>
             </a:fld>
             <a:endParaRPr lang="it-IT"/>
           </a:p>
@@ -1268,7 +1268,7 @@
           <a:p>
             <a:fld id="{2530E54B-E98E-4B30-B26A-842D2F879B61}" type="datetime1">
               <a:rPr lang="it-IT" smtClean="0"/>
-              <a:t>12/02/2017</a:t>
+              <a:t>14/02/2017</a:t>
             </a:fld>
             <a:endParaRPr lang="it-IT"/>
           </a:p>
@@ -1516,7 +1516,7 @@
           <a:p>
             <a:fld id="{97D78F1C-0749-4BED-8364-A90CFC3F661D}" type="datetime1">
               <a:rPr lang="it-IT" smtClean="0"/>
-              <a:t>12/02/2017</a:t>
+              <a:t>14/02/2017</a:t>
             </a:fld>
             <a:endParaRPr lang="it-IT"/>
           </a:p>
@@ -1748,7 +1748,7 @@
           <a:p>
             <a:fld id="{73C89B64-D9A9-4E4B-9198-D72302576A43}" type="datetime1">
               <a:rPr lang="it-IT" smtClean="0"/>
-              <a:t>12/02/2017</a:t>
+              <a:t>14/02/2017</a:t>
             </a:fld>
             <a:endParaRPr lang="it-IT"/>
           </a:p>
@@ -2115,7 +2115,7 @@
           <a:p>
             <a:fld id="{DB2B20EF-DB1F-4529-9A32-0DD5A669425C}" type="datetime1">
               <a:rPr lang="it-IT" smtClean="0"/>
-              <a:t>12/02/2017</a:t>
+              <a:t>14/02/2017</a:t>
             </a:fld>
             <a:endParaRPr lang="it-IT"/>
           </a:p>
@@ -2235,7 +2235,7 @@
           <a:p>
             <a:fld id="{F3851BE1-5EDD-48BF-B7FA-EFC007ED224E}" type="datetime1">
               <a:rPr lang="it-IT" smtClean="0"/>
-              <a:t>12/02/2017</a:t>
+              <a:t>14/02/2017</a:t>
             </a:fld>
             <a:endParaRPr lang="it-IT"/>
           </a:p>
@@ -2333,7 +2333,7 @@
           <a:p>
             <a:fld id="{CD252B7E-174B-40C3-8E93-AC589E9BAE22}" type="datetime1">
               <a:rPr lang="it-IT" smtClean="0"/>
-              <a:t>12/02/2017</a:t>
+              <a:t>14/02/2017</a:t>
             </a:fld>
             <a:endParaRPr lang="it-IT"/>
           </a:p>
@@ -2611,7 +2611,7 @@
           <a:p>
             <a:fld id="{60150900-4B12-4450-86B3-0EB8C6DD628A}" type="datetime1">
               <a:rPr lang="it-IT" smtClean="0"/>
-              <a:t>12/02/2017</a:t>
+              <a:t>14/02/2017</a:t>
             </a:fld>
             <a:endParaRPr lang="it-IT"/>
           </a:p>
@@ -2866,7 +2866,7 @@
           <a:p>
             <a:fld id="{9D48CF93-5D3F-42EA-B766-59F402CC57BB}" type="datetime1">
               <a:rPr lang="it-IT" smtClean="0"/>
-              <a:t>12/02/2017</a:t>
+              <a:t>14/02/2017</a:t>
             </a:fld>
             <a:endParaRPr lang="it-IT"/>
           </a:p>
@@ -3080,7 +3080,7 @@
           <a:p>
             <a:fld id="{D583883E-2361-4731-9A4D-A42DAEDF2D1A}" type="datetime1">
               <a:rPr lang="it-IT" smtClean="0"/>
-              <a:t>12/02/2017</a:t>
+              <a:t>14/02/2017</a:t>
             </a:fld>
             <a:endParaRPr lang="it-IT"/>
           </a:p>
@@ -8307,36 +8307,655 @@
                   </a:schemeClr>
                 </a:solidFill>
               </a:rPr>
-              <a:t>Alloy</a:t>
+              <a:t>Service Table</a:t>
             </a:r>
           </a:p>
         </p:txBody>
       </p:sp>
+      <p:graphicFrame>
+        <p:nvGraphicFramePr>
+          <p:cNvPr id="4" name="Segnaposto contenuto 3"/>
+          <p:cNvGraphicFramePr>
+            <a:graphicFrameLocks noGrp="1"/>
+          </p:cNvGraphicFramePr>
+          <p:nvPr>
+            <p:ph idx="1"/>
+            <p:extLst>
+              <p:ext uri="{D42A27DB-BD31-4B8C-83A1-F6EECF244321}">
+                <p14:modId xmlns:p14="http://schemas.microsoft.com/office/powerpoint/2010/main" val="2759093072"/>
+              </p:ext>
+            </p:extLst>
+          </p:nvPr>
+        </p:nvGraphicFramePr>
+        <p:xfrm>
+          <a:off x="838200" y="1825622"/>
+          <a:ext cx="10515600" cy="4487610"/>
+        </p:xfrm>
+        <a:graphic>
+          <a:graphicData uri="http://schemas.openxmlformats.org/drawingml/2006/table">
+            <a:tbl>
+              <a:tblPr firstRow="1" bandRow="1">
+                <a:tableStyleId>{5C22544A-7EE6-4342-B048-85BDC9FD1C3A}</a:tableStyleId>
+              </a:tblPr>
+              <a:tblGrid>
+                <a:gridCol w="2628900">
+                  <a:extLst>
+                    <a:ext uri="{9D8B030D-6E8A-4147-A177-3AD203B41FA5}">
+                      <a16:colId xmlns:a16="http://schemas.microsoft.com/office/drawing/2014/main" val="1727708452"/>
+                    </a:ext>
+                  </a:extLst>
+                </a:gridCol>
+                <a:gridCol w="2628900">
+                  <a:extLst>
+                    <a:ext uri="{9D8B030D-6E8A-4147-A177-3AD203B41FA5}">
+                      <a16:colId xmlns:a16="http://schemas.microsoft.com/office/drawing/2014/main" val="3349799583"/>
+                    </a:ext>
+                  </a:extLst>
+                </a:gridCol>
+                <a:gridCol w="2628900">
+                  <a:extLst>
+                    <a:ext uri="{9D8B030D-6E8A-4147-A177-3AD203B41FA5}">
+                      <a16:colId xmlns:a16="http://schemas.microsoft.com/office/drawing/2014/main" val="1498086414"/>
+                    </a:ext>
+                  </a:extLst>
+                </a:gridCol>
+                <a:gridCol w="2628900">
+                  <a:extLst>
+                    <a:ext uri="{9D8B030D-6E8A-4147-A177-3AD203B41FA5}">
+                      <a16:colId xmlns:a16="http://schemas.microsoft.com/office/drawing/2014/main" val="4274380475"/>
+                    </a:ext>
+                  </a:extLst>
+                </a:gridCol>
+              </a:tblGrid>
+              <a:tr h="448761">
+                <a:tc>
+                  <a:txBody>
+                    <a:bodyPr/>
+                    <a:lstStyle/>
+                    <a:p>
+                      <a:endParaRPr lang="en-GB" dirty="0"/>
+                    </a:p>
+                  </a:txBody>
+                  <a:tcPr/>
+                </a:tc>
+                <a:tc>
+                  <a:txBody>
+                    <a:bodyPr/>
+                    <a:lstStyle/>
+                    <a:p>
+                      <a:r>
+                        <a:rPr lang="en-GB" dirty="0"/>
+                        <a:t>Mobile</a:t>
+                      </a:r>
+                      <a:r>
+                        <a:rPr lang="en-GB" baseline="0" dirty="0"/>
+                        <a:t> Application</a:t>
+                      </a:r>
+                      <a:endParaRPr lang="en-GB" dirty="0"/>
+                    </a:p>
+                  </a:txBody>
+                  <a:tcPr/>
+                </a:tc>
+                <a:tc>
+                  <a:txBody>
+                    <a:bodyPr/>
+                    <a:lstStyle/>
+                    <a:p>
+                      <a:r>
+                        <a:rPr lang="en-GB" dirty="0"/>
+                        <a:t>Web Application</a:t>
+                      </a:r>
+                    </a:p>
+                  </a:txBody>
+                  <a:tcPr/>
+                </a:tc>
+                <a:tc>
+                  <a:txBody>
+                    <a:bodyPr/>
+                    <a:lstStyle/>
+                    <a:p>
+                      <a:r>
+                        <a:rPr lang="en-GB" dirty="0"/>
+                        <a:t>Car Screen</a:t>
+                      </a:r>
+                    </a:p>
+                  </a:txBody>
+                  <a:tcPr/>
+                </a:tc>
+                <a:extLst>
+                  <a:ext uri="{0D108BD9-81ED-4DB2-BD59-A6C34878D82A}">
+                    <a16:rowId xmlns:a16="http://schemas.microsoft.com/office/drawing/2014/main" val="3344392463"/>
+                  </a:ext>
+                </a:extLst>
+              </a:tr>
+              <a:tr h="448761">
+                <a:tc>
+                  <a:txBody>
+                    <a:bodyPr/>
+                    <a:lstStyle/>
+                    <a:p>
+                      <a:pPr algn="ctr"/>
+                      <a:r>
+                        <a:rPr lang="en-GB" dirty="0"/>
+                        <a:t>Registration</a:t>
+                      </a:r>
+                    </a:p>
+                  </a:txBody>
+                  <a:tcPr/>
+                </a:tc>
+                <a:tc>
+                  <a:txBody>
+                    <a:bodyPr/>
+                    <a:lstStyle/>
+                    <a:p>
+                      <a:endParaRPr lang="en-GB"/>
+                    </a:p>
+                  </a:txBody>
+                  <a:tcPr/>
+                </a:tc>
+                <a:tc>
+                  <a:txBody>
+                    <a:bodyPr/>
+                    <a:lstStyle/>
+                    <a:p>
+                      <a:pPr algn="ctr"/>
+                      <a:r>
+                        <a:rPr lang="en-GB" dirty="0"/>
+                        <a:t>X</a:t>
+                      </a:r>
+                    </a:p>
+                  </a:txBody>
+                  <a:tcPr/>
+                </a:tc>
+                <a:tc>
+                  <a:txBody>
+                    <a:bodyPr/>
+                    <a:lstStyle/>
+                    <a:p>
+                      <a:endParaRPr lang="en-GB" dirty="0"/>
+                    </a:p>
+                  </a:txBody>
+                  <a:tcPr/>
+                </a:tc>
+                <a:extLst>
+                  <a:ext uri="{0D108BD9-81ED-4DB2-BD59-A6C34878D82A}">
+                    <a16:rowId xmlns:a16="http://schemas.microsoft.com/office/drawing/2014/main" val="2489549166"/>
+                  </a:ext>
+                </a:extLst>
+              </a:tr>
+              <a:tr h="448761">
+                <a:tc>
+                  <a:txBody>
+                    <a:bodyPr/>
+                    <a:lstStyle/>
+                    <a:p>
+                      <a:pPr algn="ctr"/>
+                      <a:r>
+                        <a:rPr lang="en-GB" dirty="0"/>
+                        <a:t>Password Recovery</a:t>
+                      </a:r>
+                    </a:p>
+                  </a:txBody>
+                  <a:tcPr/>
+                </a:tc>
+                <a:tc>
+                  <a:txBody>
+                    <a:bodyPr/>
+                    <a:lstStyle/>
+                    <a:p>
+                      <a:endParaRPr lang="en-GB" dirty="0"/>
+                    </a:p>
+                  </a:txBody>
+                  <a:tcPr/>
+                </a:tc>
+                <a:tc>
+                  <a:txBody>
+                    <a:bodyPr/>
+                    <a:lstStyle/>
+                    <a:p>
+                      <a:pPr algn="ctr"/>
+                      <a:r>
+                        <a:rPr lang="en-GB" dirty="0"/>
+                        <a:t>X</a:t>
+                      </a:r>
+                    </a:p>
+                  </a:txBody>
+                  <a:tcPr/>
+                </a:tc>
+                <a:tc>
+                  <a:txBody>
+                    <a:bodyPr/>
+                    <a:lstStyle/>
+                    <a:p>
+                      <a:endParaRPr lang="en-GB"/>
+                    </a:p>
+                  </a:txBody>
+                  <a:tcPr/>
+                </a:tc>
+                <a:extLst>
+                  <a:ext uri="{0D108BD9-81ED-4DB2-BD59-A6C34878D82A}">
+                    <a16:rowId xmlns:a16="http://schemas.microsoft.com/office/drawing/2014/main" val="3025265922"/>
+                  </a:ext>
+                </a:extLst>
+              </a:tr>
+              <a:tr h="448761">
+                <a:tc>
+                  <a:txBody>
+                    <a:bodyPr/>
+                    <a:lstStyle/>
+                    <a:p>
+                      <a:pPr algn="ctr"/>
+                      <a:r>
+                        <a:rPr lang="en-GB" dirty="0"/>
+                        <a:t>Log in</a:t>
+                      </a:r>
+                    </a:p>
+                  </a:txBody>
+                  <a:tcPr/>
+                </a:tc>
+                <a:tc>
+                  <a:txBody>
+                    <a:bodyPr/>
+                    <a:lstStyle/>
+                    <a:p>
+                      <a:pPr algn="ctr"/>
+                      <a:r>
+                        <a:rPr lang="en-GB" dirty="0"/>
+                        <a:t>X</a:t>
+                      </a:r>
+                    </a:p>
+                  </a:txBody>
+                  <a:tcPr/>
+                </a:tc>
+                <a:tc>
+                  <a:txBody>
+                    <a:bodyPr/>
+                    <a:lstStyle/>
+                    <a:p>
+                      <a:pPr algn="ctr"/>
+                      <a:r>
+                        <a:rPr lang="en-GB" dirty="0"/>
+                        <a:t>X</a:t>
+                      </a:r>
+                    </a:p>
+                  </a:txBody>
+                  <a:tcPr/>
+                </a:tc>
+                <a:tc>
+                  <a:txBody>
+                    <a:bodyPr/>
+                    <a:lstStyle/>
+                    <a:p>
+                      <a:endParaRPr lang="en-GB" dirty="0"/>
+                    </a:p>
+                  </a:txBody>
+                  <a:tcPr/>
+                </a:tc>
+                <a:extLst>
+                  <a:ext uri="{0D108BD9-81ED-4DB2-BD59-A6C34878D82A}">
+                    <a16:rowId xmlns:a16="http://schemas.microsoft.com/office/drawing/2014/main" val="4262956550"/>
+                  </a:ext>
+                </a:extLst>
+              </a:tr>
+              <a:tr h="448761">
+                <a:tc>
+                  <a:txBody>
+                    <a:bodyPr/>
+                    <a:lstStyle/>
+                    <a:p>
+                      <a:pPr algn="ctr"/>
+                      <a:r>
+                        <a:rPr lang="en-GB" dirty="0"/>
+                        <a:t>Make</a:t>
+                      </a:r>
+                      <a:r>
+                        <a:rPr lang="en-GB" baseline="0" dirty="0"/>
+                        <a:t> a Reservation</a:t>
+                      </a:r>
+                      <a:endParaRPr lang="en-GB" dirty="0"/>
+                    </a:p>
+                  </a:txBody>
+                  <a:tcPr/>
+                </a:tc>
+                <a:tc>
+                  <a:txBody>
+                    <a:bodyPr/>
+                    <a:lstStyle/>
+                    <a:p>
+                      <a:pPr algn="ctr"/>
+                      <a:r>
+                        <a:rPr lang="en-GB" dirty="0"/>
+                        <a:t>X</a:t>
+                      </a:r>
+                    </a:p>
+                  </a:txBody>
+                  <a:tcPr/>
+                </a:tc>
+                <a:tc>
+                  <a:txBody>
+                    <a:bodyPr/>
+                    <a:lstStyle/>
+                    <a:p>
+                      <a:pPr algn="ctr"/>
+                      <a:r>
+                        <a:rPr lang="en-GB" dirty="0"/>
+                        <a:t>X</a:t>
+                      </a:r>
+                    </a:p>
+                  </a:txBody>
+                  <a:tcPr/>
+                </a:tc>
+                <a:tc>
+                  <a:txBody>
+                    <a:bodyPr/>
+                    <a:lstStyle/>
+                    <a:p>
+                      <a:endParaRPr lang="en-GB"/>
+                    </a:p>
+                  </a:txBody>
+                  <a:tcPr/>
+                </a:tc>
+                <a:extLst>
+                  <a:ext uri="{0D108BD9-81ED-4DB2-BD59-A6C34878D82A}">
+                    <a16:rowId xmlns:a16="http://schemas.microsoft.com/office/drawing/2014/main" val="2577511555"/>
+                  </a:ext>
+                </a:extLst>
+              </a:tr>
+              <a:tr h="448761">
+                <a:tc>
+                  <a:txBody>
+                    <a:bodyPr/>
+                    <a:lstStyle/>
+                    <a:p>
+                      <a:pPr algn="ctr"/>
+                      <a:r>
+                        <a:rPr lang="en-GB" dirty="0"/>
+                        <a:t>Unlock Car</a:t>
+                      </a:r>
+                    </a:p>
+                  </a:txBody>
+                  <a:tcPr/>
+                </a:tc>
+                <a:tc>
+                  <a:txBody>
+                    <a:bodyPr/>
+                    <a:lstStyle/>
+                    <a:p>
+                      <a:pPr algn="ctr"/>
+                      <a:r>
+                        <a:rPr lang="en-GB" dirty="0"/>
+                        <a:t>X</a:t>
+                      </a:r>
+                    </a:p>
+                  </a:txBody>
+                  <a:tcPr/>
+                </a:tc>
+                <a:tc>
+                  <a:txBody>
+                    <a:bodyPr/>
+                    <a:lstStyle/>
+                    <a:p>
+                      <a:endParaRPr lang="en-GB"/>
+                    </a:p>
+                  </a:txBody>
+                  <a:tcPr/>
+                </a:tc>
+                <a:tc>
+                  <a:txBody>
+                    <a:bodyPr/>
+                    <a:lstStyle/>
+                    <a:p>
+                      <a:endParaRPr lang="en-GB"/>
+                    </a:p>
+                  </a:txBody>
+                  <a:tcPr/>
+                </a:tc>
+                <a:extLst>
+                  <a:ext uri="{0D108BD9-81ED-4DB2-BD59-A6C34878D82A}">
+                    <a16:rowId xmlns:a16="http://schemas.microsoft.com/office/drawing/2014/main" val="2192060225"/>
+                  </a:ext>
+                </a:extLst>
+              </a:tr>
+              <a:tr h="448761">
+                <a:tc>
+                  <a:txBody>
+                    <a:bodyPr/>
+                    <a:lstStyle/>
+                    <a:p>
+                      <a:pPr algn="ctr"/>
+                      <a:r>
+                        <a:rPr lang="en-GB" dirty="0"/>
+                        <a:t>Search Grid Station</a:t>
+                      </a:r>
+                    </a:p>
+                  </a:txBody>
+                  <a:tcPr/>
+                </a:tc>
+                <a:tc>
+                  <a:txBody>
+                    <a:bodyPr/>
+                    <a:lstStyle/>
+                    <a:p>
+                      <a:endParaRPr lang="en-GB" dirty="0"/>
+                    </a:p>
+                  </a:txBody>
+                  <a:tcPr/>
+                </a:tc>
+                <a:tc>
+                  <a:txBody>
+                    <a:bodyPr/>
+                    <a:lstStyle/>
+                    <a:p>
+                      <a:endParaRPr lang="en-GB"/>
+                    </a:p>
+                  </a:txBody>
+                  <a:tcPr/>
+                </a:tc>
+                <a:tc>
+                  <a:txBody>
+                    <a:bodyPr/>
+                    <a:lstStyle/>
+                    <a:p>
+                      <a:pPr algn="ctr"/>
+                      <a:r>
+                        <a:rPr lang="en-GB" dirty="0"/>
+                        <a:t>X</a:t>
+                      </a:r>
+                    </a:p>
+                  </a:txBody>
+                  <a:tcPr/>
+                </a:tc>
+                <a:extLst>
+                  <a:ext uri="{0D108BD9-81ED-4DB2-BD59-A6C34878D82A}">
+                    <a16:rowId xmlns:a16="http://schemas.microsoft.com/office/drawing/2014/main" val="1676895689"/>
+                  </a:ext>
+                </a:extLst>
+              </a:tr>
+              <a:tr h="448761">
+                <a:tc>
+                  <a:txBody>
+                    <a:bodyPr/>
+                    <a:lstStyle/>
+                    <a:p>
+                      <a:pPr algn="ctr"/>
+                      <a:r>
+                        <a:rPr lang="en-GB" dirty="0"/>
+                        <a:t>Payment</a:t>
+                      </a:r>
+                      <a:r>
+                        <a:rPr lang="en-GB" baseline="0" dirty="0"/>
+                        <a:t> History</a:t>
+                      </a:r>
+                      <a:endParaRPr lang="en-GB" dirty="0"/>
+                    </a:p>
+                  </a:txBody>
+                  <a:tcPr/>
+                </a:tc>
+                <a:tc>
+                  <a:txBody>
+                    <a:bodyPr/>
+                    <a:lstStyle/>
+                    <a:p>
+                      <a:endParaRPr lang="en-GB"/>
+                    </a:p>
+                  </a:txBody>
+                  <a:tcPr/>
+                </a:tc>
+                <a:tc>
+                  <a:txBody>
+                    <a:bodyPr/>
+                    <a:lstStyle/>
+                    <a:p>
+                      <a:pPr algn="ctr"/>
+                      <a:r>
+                        <a:rPr lang="en-GB" dirty="0"/>
+                        <a:t>X</a:t>
+                      </a:r>
+                    </a:p>
+                  </a:txBody>
+                  <a:tcPr/>
+                </a:tc>
+                <a:tc>
+                  <a:txBody>
+                    <a:bodyPr/>
+                    <a:lstStyle/>
+                    <a:p>
+                      <a:endParaRPr lang="en-GB"/>
+                    </a:p>
+                  </a:txBody>
+                  <a:tcPr/>
+                </a:tc>
+                <a:extLst>
+                  <a:ext uri="{0D108BD9-81ED-4DB2-BD59-A6C34878D82A}">
+                    <a16:rowId xmlns:a16="http://schemas.microsoft.com/office/drawing/2014/main" val="2993311701"/>
+                  </a:ext>
+                </a:extLst>
+              </a:tr>
+              <a:tr h="448761">
+                <a:tc>
+                  <a:txBody>
+                    <a:bodyPr/>
+                    <a:lstStyle/>
+                    <a:p>
+                      <a:r>
+                        <a:rPr lang="en-GB" dirty="0"/>
+                        <a:t>Calculate Shortest</a:t>
+                      </a:r>
+                      <a:r>
+                        <a:rPr lang="en-GB" baseline="0" dirty="0"/>
+                        <a:t> </a:t>
+                      </a:r>
+                      <a:r>
+                        <a:rPr lang="en-GB" dirty="0"/>
+                        <a:t>Path</a:t>
+                      </a:r>
+                    </a:p>
+                  </a:txBody>
+                  <a:tcPr/>
+                </a:tc>
+                <a:tc>
+                  <a:txBody>
+                    <a:bodyPr/>
+                    <a:lstStyle/>
+                    <a:p>
+                      <a:endParaRPr lang="en-GB"/>
+                    </a:p>
+                  </a:txBody>
+                  <a:tcPr/>
+                </a:tc>
+                <a:tc>
+                  <a:txBody>
+                    <a:bodyPr/>
+                    <a:lstStyle/>
+                    <a:p>
+                      <a:endParaRPr lang="en-GB"/>
+                    </a:p>
+                  </a:txBody>
+                  <a:tcPr/>
+                </a:tc>
+                <a:tc>
+                  <a:txBody>
+                    <a:bodyPr/>
+                    <a:lstStyle/>
+                    <a:p>
+                      <a:pPr algn="ctr"/>
+                      <a:r>
+                        <a:rPr lang="en-GB" dirty="0"/>
+                        <a:t>X</a:t>
+                      </a:r>
+                    </a:p>
+                  </a:txBody>
+                  <a:tcPr/>
+                </a:tc>
+                <a:extLst>
+                  <a:ext uri="{0D108BD9-81ED-4DB2-BD59-A6C34878D82A}">
+                    <a16:rowId xmlns:a16="http://schemas.microsoft.com/office/drawing/2014/main" val="2735101530"/>
+                  </a:ext>
+                </a:extLst>
+              </a:tr>
+              <a:tr h="448761">
+                <a:tc>
+                  <a:txBody>
+                    <a:bodyPr/>
+                    <a:lstStyle/>
+                    <a:p>
+                      <a:pPr algn="ctr"/>
+                      <a:r>
+                        <a:rPr lang="en-GB" dirty="0"/>
+                        <a:t>Payment</a:t>
+                      </a:r>
+                    </a:p>
+                  </a:txBody>
+                  <a:tcPr/>
+                </a:tc>
+                <a:tc>
+                  <a:txBody>
+                    <a:bodyPr/>
+                    <a:lstStyle/>
+                    <a:p>
+                      <a:endParaRPr lang="en-GB"/>
+                    </a:p>
+                  </a:txBody>
+                  <a:tcPr/>
+                </a:tc>
+                <a:tc>
+                  <a:txBody>
+                    <a:bodyPr/>
+                    <a:lstStyle/>
+                    <a:p>
+                      <a:pPr algn="ctr"/>
+                      <a:r>
+                        <a:rPr lang="en-GB" dirty="0"/>
+                        <a:t>(X)</a:t>
+                      </a:r>
+                    </a:p>
+                  </a:txBody>
+                  <a:tcPr/>
+                </a:tc>
+                <a:tc>
+                  <a:txBody>
+                    <a:bodyPr/>
+                    <a:lstStyle/>
+                    <a:p>
+                      <a:pPr algn="ctr"/>
+                      <a:endParaRPr lang="en-GB" dirty="0"/>
+                    </a:p>
+                  </a:txBody>
+                  <a:tcPr/>
+                </a:tc>
+                <a:extLst>
+                  <a:ext uri="{0D108BD9-81ED-4DB2-BD59-A6C34878D82A}">
+                    <a16:rowId xmlns:a16="http://schemas.microsoft.com/office/drawing/2014/main" val="3822256773"/>
+                  </a:ext>
+                </a:extLst>
+              </a:tr>
+            </a:tbl>
+          </a:graphicData>
+        </a:graphic>
+      </p:graphicFrame>
       <p:sp>
         <p:nvSpPr>
-          <p:cNvPr id="3" name="Segnaposto contenuto 2"/>
-          <p:cNvSpPr>
-            <a:spLocks noGrp="1"/>
-          </p:cNvSpPr>
-          <p:nvPr>
-            <p:ph idx="1"/>
-          </p:nvPr>
-        </p:nvSpPr>
-        <p:spPr/>
-        <p:txBody>
-          <a:bodyPr/>
-          <a:lstStyle/>
-          <a:p>
-            <a:r>
-              <a:rPr lang="en-GB" dirty="0"/>
-              <a:t>We use alloy to demonstrate the consistency of our goals and assumptions</a:t>
-            </a:r>
-          </a:p>
-        </p:txBody>
-      </p:sp>
-      <p:sp>
-        <p:nvSpPr>
-          <p:cNvPr id="4" name="Segnaposto numero diapositiva 3"/>
+          <p:cNvPr id="5" name="Segnaposto numero diapositiva 4"/>
           <p:cNvSpPr>
             <a:spLocks noGrp="1"/>
           </p:cNvSpPr>
@@ -8360,7 +8979,7 @@
     </p:spTree>
     <p:extLst>
       <p:ext uri="{BB962C8B-B14F-4D97-AF65-F5344CB8AC3E}">
-        <p14:creationId xmlns:p14="http://schemas.microsoft.com/office/powerpoint/2010/main" val="1844853698"/>
+        <p14:creationId xmlns:p14="http://schemas.microsoft.com/office/powerpoint/2010/main" val="2836127539"/>
       </p:ext>
     </p:extLst>
   </p:cSld>
@@ -12992,7 +13611,7 @@
         </p:nvSpPr>
         <p:spPr>
           <a:xfrm>
-            <a:off x="830873" y="344228"/>
+            <a:off x="906097" y="287178"/>
             <a:ext cx="10515600" cy="698744"/>
           </a:xfrm>
         </p:spPr>
@@ -14729,9 +15348,16 @@
             <p:ph type="title"/>
           </p:nvPr>
         </p:nvSpPr>
-        <p:spPr/>
+        <p:spPr>
+          <a:xfrm>
+            <a:off x="838200" y="365126"/>
+            <a:ext cx="10515600" cy="533644"/>
+          </a:xfrm>
+        </p:spPr>
         <p:txBody>
-          <a:bodyPr/>
+          <a:bodyPr>
+            <a:normAutofit fontScale="90000"/>
+          </a:bodyPr>
           <a:lstStyle/>
           <a:p>
             <a:pPr algn="ctr"/>
@@ -14743,655 +15369,44 @@
                   </a:schemeClr>
                 </a:solidFill>
               </a:rPr>
-              <a:t>Service Table</a:t>
-            </a:r>
+              <a:t>Alloy world</a:t>
+            </a:r>
+            <a:endParaRPr lang="it-IT" dirty="0"/>
           </a:p>
         </p:txBody>
       </p:sp>
-      <p:graphicFrame>
-        <p:nvGraphicFramePr>
-          <p:cNvPr id="4" name="Segnaposto contenuto 3"/>
-          <p:cNvGraphicFramePr>
-            <a:graphicFrameLocks noGrp="1"/>
-          </p:cNvGraphicFramePr>
+      <p:pic>
+        <p:nvPicPr>
+          <p:cNvPr id="5" name="Segnaposto contenuto 4"/>
+          <p:cNvPicPr>
+            <a:picLocks noGrp="1" noChangeAspect="1"/>
+          </p:cNvPicPr>
           <p:nvPr>
             <p:ph idx="1"/>
-            <p:extLst>
-              <p:ext uri="{D42A27DB-BD31-4B8C-83A1-F6EECF244321}">
-                <p14:modId xmlns:p14="http://schemas.microsoft.com/office/powerpoint/2010/main" val="2759093072"/>
-              </p:ext>
-            </p:extLst>
           </p:nvPr>
-        </p:nvGraphicFramePr>
-        <p:xfrm>
-          <a:off x="838200" y="1825622"/>
-          <a:ext cx="10515600" cy="4487610"/>
-        </p:xfrm>
-        <a:graphic>
-          <a:graphicData uri="http://schemas.openxmlformats.org/drawingml/2006/table">
-            <a:tbl>
-              <a:tblPr firstRow="1" bandRow="1">
-                <a:tableStyleId>{5C22544A-7EE6-4342-B048-85BDC9FD1C3A}</a:tableStyleId>
-              </a:tblPr>
-              <a:tblGrid>
-                <a:gridCol w="2628900">
-                  <a:extLst>
-                    <a:ext uri="{9D8B030D-6E8A-4147-A177-3AD203B41FA5}">
-                      <a16:colId xmlns:a16="http://schemas.microsoft.com/office/drawing/2014/main" val="1727708452"/>
-                    </a:ext>
-                  </a:extLst>
-                </a:gridCol>
-                <a:gridCol w="2628900">
-                  <a:extLst>
-                    <a:ext uri="{9D8B030D-6E8A-4147-A177-3AD203B41FA5}">
-                      <a16:colId xmlns:a16="http://schemas.microsoft.com/office/drawing/2014/main" val="3349799583"/>
-                    </a:ext>
-                  </a:extLst>
-                </a:gridCol>
-                <a:gridCol w="2628900">
-                  <a:extLst>
-                    <a:ext uri="{9D8B030D-6E8A-4147-A177-3AD203B41FA5}">
-                      <a16:colId xmlns:a16="http://schemas.microsoft.com/office/drawing/2014/main" val="1498086414"/>
-                    </a:ext>
-                  </a:extLst>
-                </a:gridCol>
-                <a:gridCol w="2628900">
-                  <a:extLst>
-                    <a:ext uri="{9D8B030D-6E8A-4147-A177-3AD203B41FA5}">
-                      <a16:colId xmlns:a16="http://schemas.microsoft.com/office/drawing/2014/main" val="4274380475"/>
-                    </a:ext>
-                  </a:extLst>
-                </a:gridCol>
-              </a:tblGrid>
-              <a:tr h="448761">
-                <a:tc>
-                  <a:txBody>
-                    <a:bodyPr/>
-                    <a:lstStyle/>
-                    <a:p>
-                      <a:endParaRPr lang="en-GB" dirty="0"/>
-                    </a:p>
-                  </a:txBody>
-                  <a:tcPr/>
-                </a:tc>
-                <a:tc>
-                  <a:txBody>
-                    <a:bodyPr/>
-                    <a:lstStyle/>
-                    <a:p>
-                      <a:r>
-                        <a:rPr lang="en-GB" dirty="0"/>
-                        <a:t>Mobile</a:t>
-                      </a:r>
-                      <a:r>
-                        <a:rPr lang="en-GB" baseline="0" dirty="0"/>
-                        <a:t> Application</a:t>
-                      </a:r>
-                      <a:endParaRPr lang="en-GB" dirty="0"/>
-                    </a:p>
-                  </a:txBody>
-                  <a:tcPr/>
-                </a:tc>
-                <a:tc>
-                  <a:txBody>
-                    <a:bodyPr/>
-                    <a:lstStyle/>
-                    <a:p>
-                      <a:r>
-                        <a:rPr lang="en-GB" dirty="0"/>
-                        <a:t>Web Application</a:t>
-                      </a:r>
-                    </a:p>
-                  </a:txBody>
-                  <a:tcPr/>
-                </a:tc>
-                <a:tc>
-                  <a:txBody>
-                    <a:bodyPr/>
-                    <a:lstStyle/>
-                    <a:p>
-                      <a:r>
-                        <a:rPr lang="en-GB" dirty="0"/>
-                        <a:t>Car Screen</a:t>
-                      </a:r>
-                    </a:p>
-                  </a:txBody>
-                  <a:tcPr/>
-                </a:tc>
-                <a:extLst>
-                  <a:ext uri="{0D108BD9-81ED-4DB2-BD59-A6C34878D82A}">
-                    <a16:rowId xmlns:a16="http://schemas.microsoft.com/office/drawing/2014/main" val="3344392463"/>
-                  </a:ext>
-                </a:extLst>
-              </a:tr>
-              <a:tr h="448761">
-                <a:tc>
-                  <a:txBody>
-                    <a:bodyPr/>
-                    <a:lstStyle/>
-                    <a:p>
-                      <a:pPr algn="ctr"/>
-                      <a:r>
-                        <a:rPr lang="en-GB" dirty="0"/>
-                        <a:t>Registration</a:t>
-                      </a:r>
-                    </a:p>
-                  </a:txBody>
-                  <a:tcPr/>
-                </a:tc>
-                <a:tc>
-                  <a:txBody>
-                    <a:bodyPr/>
-                    <a:lstStyle/>
-                    <a:p>
-                      <a:endParaRPr lang="en-GB"/>
-                    </a:p>
-                  </a:txBody>
-                  <a:tcPr/>
-                </a:tc>
-                <a:tc>
-                  <a:txBody>
-                    <a:bodyPr/>
-                    <a:lstStyle/>
-                    <a:p>
-                      <a:pPr algn="ctr"/>
-                      <a:r>
-                        <a:rPr lang="en-GB" dirty="0"/>
-                        <a:t>X</a:t>
-                      </a:r>
-                    </a:p>
-                  </a:txBody>
-                  <a:tcPr/>
-                </a:tc>
-                <a:tc>
-                  <a:txBody>
-                    <a:bodyPr/>
-                    <a:lstStyle/>
-                    <a:p>
-                      <a:endParaRPr lang="en-GB" dirty="0"/>
-                    </a:p>
-                  </a:txBody>
-                  <a:tcPr/>
-                </a:tc>
-                <a:extLst>
-                  <a:ext uri="{0D108BD9-81ED-4DB2-BD59-A6C34878D82A}">
-                    <a16:rowId xmlns:a16="http://schemas.microsoft.com/office/drawing/2014/main" val="2489549166"/>
-                  </a:ext>
-                </a:extLst>
-              </a:tr>
-              <a:tr h="448761">
-                <a:tc>
-                  <a:txBody>
-                    <a:bodyPr/>
-                    <a:lstStyle/>
-                    <a:p>
-                      <a:pPr algn="ctr"/>
-                      <a:r>
-                        <a:rPr lang="en-GB" dirty="0"/>
-                        <a:t>Password Recovery</a:t>
-                      </a:r>
-                    </a:p>
-                  </a:txBody>
-                  <a:tcPr/>
-                </a:tc>
-                <a:tc>
-                  <a:txBody>
-                    <a:bodyPr/>
-                    <a:lstStyle/>
-                    <a:p>
-                      <a:endParaRPr lang="en-GB" dirty="0"/>
-                    </a:p>
-                  </a:txBody>
-                  <a:tcPr/>
-                </a:tc>
-                <a:tc>
-                  <a:txBody>
-                    <a:bodyPr/>
-                    <a:lstStyle/>
-                    <a:p>
-                      <a:pPr algn="ctr"/>
-                      <a:r>
-                        <a:rPr lang="en-GB" dirty="0"/>
-                        <a:t>X</a:t>
-                      </a:r>
-                    </a:p>
-                  </a:txBody>
-                  <a:tcPr/>
-                </a:tc>
-                <a:tc>
-                  <a:txBody>
-                    <a:bodyPr/>
-                    <a:lstStyle/>
-                    <a:p>
-                      <a:endParaRPr lang="en-GB"/>
-                    </a:p>
-                  </a:txBody>
-                  <a:tcPr/>
-                </a:tc>
-                <a:extLst>
-                  <a:ext uri="{0D108BD9-81ED-4DB2-BD59-A6C34878D82A}">
-                    <a16:rowId xmlns:a16="http://schemas.microsoft.com/office/drawing/2014/main" val="3025265922"/>
-                  </a:ext>
-                </a:extLst>
-              </a:tr>
-              <a:tr h="448761">
-                <a:tc>
-                  <a:txBody>
-                    <a:bodyPr/>
-                    <a:lstStyle/>
-                    <a:p>
-                      <a:pPr algn="ctr"/>
-                      <a:r>
-                        <a:rPr lang="en-GB" dirty="0"/>
-                        <a:t>Log in</a:t>
-                      </a:r>
-                    </a:p>
-                  </a:txBody>
-                  <a:tcPr/>
-                </a:tc>
-                <a:tc>
-                  <a:txBody>
-                    <a:bodyPr/>
-                    <a:lstStyle/>
-                    <a:p>
-                      <a:pPr algn="ctr"/>
-                      <a:r>
-                        <a:rPr lang="en-GB" dirty="0"/>
-                        <a:t>X</a:t>
-                      </a:r>
-                    </a:p>
-                  </a:txBody>
-                  <a:tcPr/>
-                </a:tc>
-                <a:tc>
-                  <a:txBody>
-                    <a:bodyPr/>
-                    <a:lstStyle/>
-                    <a:p>
-                      <a:pPr algn="ctr"/>
-                      <a:r>
-                        <a:rPr lang="en-GB" dirty="0"/>
-                        <a:t>X</a:t>
-                      </a:r>
-                    </a:p>
-                  </a:txBody>
-                  <a:tcPr/>
-                </a:tc>
-                <a:tc>
-                  <a:txBody>
-                    <a:bodyPr/>
-                    <a:lstStyle/>
-                    <a:p>
-                      <a:endParaRPr lang="en-GB" dirty="0"/>
-                    </a:p>
-                  </a:txBody>
-                  <a:tcPr/>
-                </a:tc>
-                <a:extLst>
-                  <a:ext uri="{0D108BD9-81ED-4DB2-BD59-A6C34878D82A}">
-                    <a16:rowId xmlns:a16="http://schemas.microsoft.com/office/drawing/2014/main" val="4262956550"/>
-                  </a:ext>
-                </a:extLst>
-              </a:tr>
-              <a:tr h="448761">
-                <a:tc>
-                  <a:txBody>
-                    <a:bodyPr/>
-                    <a:lstStyle/>
-                    <a:p>
-                      <a:pPr algn="ctr"/>
-                      <a:r>
-                        <a:rPr lang="en-GB" dirty="0"/>
-                        <a:t>Make</a:t>
-                      </a:r>
-                      <a:r>
-                        <a:rPr lang="en-GB" baseline="0" dirty="0"/>
-                        <a:t> a Reservation</a:t>
-                      </a:r>
-                      <a:endParaRPr lang="en-GB" dirty="0"/>
-                    </a:p>
-                  </a:txBody>
-                  <a:tcPr/>
-                </a:tc>
-                <a:tc>
-                  <a:txBody>
-                    <a:bodyPr/>
-                    <a:lstStyle/>
-                    <a:p>
-                      <a:pPr algn="ctr"/>
-                      <a:r>
-                        <a:rPr lang="en-GB" dirty="0"/>
-                        <a:t>X</a:t>
-                      </a:r>
-                    </a:p>
-                  </a:txBody>
-                  <a:tcPr/>
-                </a:tc>
-                <a:tc>
-                  <a:txBody>
-                    <a:bodyPr/>
-                    <a:lstStyle/>
-                    <a:p>
-                      <a:pPr algn="ctr"/>
-                      <a:r>
-                        <a:rPr lang="en-GB" dirty="0"/>
-                        <a:t>X</a:t>
-                      </a:r>
-                    </a:p>
-                  </a:txBody>
-                  <a:tcPr/>
-                </a:tc>
-                <a:tc>
-                  <a:txBody>
-                    <a:bodyPr/>
-                    <a:lstStyle/>
-                    <a:p>
-                      <a:endParaRPr lang="en-GB"/>
-                    </a:p>
-                  </a:txBody>
-                  <a:tcPr/>
-                </a:tc>
-                <a:extLst>
-                  <a:ext uri="{0D108BD9-81ED-4DB2-BD59-A6C34878D82A}">
-                    <a16:rowId xmlns:a16="http://schemas.microsoft.com/office/drawing/2014/main" val="2577511555"/>
-                  </a:ext>
-                </a:extLst>
-              </a:tr>
-              <a:tr h="448761">
-                <a:tc>
-                  <a:txBody>
-                    <a:bodyPr/>
-                    <a:lstStyle/>
-                    <a:p>
-                      <a:pPr algn="ctr"/>
-                      <a:r>
-                        <a:rPr lang="en-GB" dirty="0"/>
-                        <a:t>Unlock Car</a:t>
-                      </a:r>
-                    </a:p>
-                  </a:txBody>
-                  <a:tcPr/>
-                </a:tc>
-                <a:tc>
-                  <a:txBody>
-                    <a:bodyPr/>
-                    <a:lstStyle/>
-                    <a:p>
-                      <a:pPr algn="ctr"/>
-                      <a:r>
-                        <a:rPr lang="en-GB" dirty="0"/>
-                        <a:t>X</a:t>
-                      </a:r>
-                    </a:p>
-                  </a:txBody>
-                  <a:tcPr/>
-                </a:tc>
-                <a:tc>
-                  <a:txBody>
-                    <a:bodyPr/>
-                    <a:lstStyle/>
-                    <a:p>
-                      <a:endParaRPr lang="en-GB"/>
-                    </a:p>
-                  </a:txBody>
-                  <a:tcPr/>
-                </a:tc>
-                <a:tc>
-                  <a:txBody>
-                    <a:bodyPr/>
-                    <a:lstStyle/>
-                    <a:p>
-                      <a:endParaRPr lang="en-GB"/>
-                    </a:p>
-                  </a:txBody>
-                  <a:tcPr/>
-                </a:tc>
-                <a:extLst>
-                  <a:ext uri="{0D108BD9-81ED-4DB2-BD59-A6C34878D82A}">
-                    <a16:rowId xmlns:a16="http://schemas.microsoft.com/office/drawing/2014/main" val="2192060225"/>
-                  </a:ext>
-                </a:extLst>
-              </a:tr>
-              <a:tr h="448761">
-                <a:tc>
-                  <a:txBody>
-                    <a:bodyPr/>
-                    <a:lstStyle/>
-                    <a:p>
-                      <a:pPr algn="ctr"/>
-                      <a:r>
-                        <a:rPr lang="en-GB" dirty="0"/>
-                        <a:t>Search Grid Station</a:t>
-                      </a:r>
-                    </a:p>
-                  </a:txBody>
-                  <a:tcPr/>
-                </a:tc>
-                <a:tc>
-                  <a:txBody>
-                    <a:bodyPr/>
-                    <a:lstStyle/>
-                    <a:p>
-                      <a:endParaRPr lang="en-GB" dirty="0"/>
-                    </a:p>
-                  </a:txBody>
-                  <a:tcPr/>
-                </a:tc>
-                <a:tc>
-                  <a:txBody>
-                    <a:bodyPr/>
-                    <a:lstStyle/>
-                    <a:p>
-                      <a:endParaRPr lang="en-GB"/>
-                    </a:p>
-                  </a:txBody>
-                  <a:tcPr/>
-                </a:tc>
-                <a:tc>
-                  <a:txBody>
-                    <a:bodyPr/>
-                    <a:lstStyle/>
-                    <a:p>
-                      <a:pPr algn="ctr"/>
-                      <a:r>
-                        <a:rPr lang="en-GB" dirty="0"/>
-                        <a:t>X</a:t>
-                      </a:r>
-                    </a:p>
-                  </a:txBody>
-                  <a:tcPr/>
-                </a:tc>
-                <a:extLst>
-                  <a:ext uri="{0D108BD9-81ED-4DB2-BD59-A6C34878D82A}">
-                    <a16:rowId xmlns:a16="http://schemas.microsoft.com/office/drawing/2014/main" val="1676895689"/>
-                  </a:ext>
-                </a:extLst>
-              </a:tr>
-              <a:tr h="448761">
-                <a:tc>
-                  <a:txBody>
-                    <a:bodyPr/>
-                    <a:lstStyle/>
-                    <a:p>
-                      <a:pPr algn="ctr"/>
-                      <a:r>
-                        <a:rPr lang="en-GB" dirty="0"/>
-                        <a:t>Payment</a:t>
-                      </a:r>
-                      <a:r>
-                        <a:rPr lang="en-GB" baseline="0" dirty="0"/>
-                        <a:t> History</a:t>
-                      </a:r>
-                      <a:endParaRPr lang="en-GB" dirty="0"/>
-                    </a:p>
-                  </a:txBody>
-                  <a:tcPr/>
-                </a:tc>
-                <a:tc>
-                  <a:txBody>
-                    <a:bodyPr/>
-                    <a:lstStyle/>
-                    <a:p>
-                      <a:endParaRPr lang="en-GB"/>
-                    </a:p>
-                  </a:txBody>
-                  <a:tcPr/>
-                </a:tc>
-                <a:tc>
-                  <a:txBody>
-                    <a:bodyPr/>
-                    <a:lstStyle/>
-                    <a:p>
-                      <a:pPr algn="ctr"/>
-                      <a:r>
-                        <a:rPr lang="en-GB" dirty="0"/>
-                        <a:t>X</a:t>
-                      </a:r>
-                    </a:p>
-                  </a:txBody>
-                  <a:tcPr/>
-                </a:tc>
-                <a:tc>
-                  <a:txBody>
-                    <a:bodyPr/>
-                    <a:lstStyle/>
-                    <a:p>
-                      <a:endParaRPr lang="en-GB"/>
-                    </a:p>
-                  </a:txBody>
-                  <a:tcPr/>
-                </a:tc>
-                <a:extLst>
-                  <a:ext uri="{0D108BD9-81ED-4DB2-BD59-A6C34878D82A}">
-                    <a16:rowId xmlns:a16="http://schemas.microsoft.com/office/drawing/2014/main" val="2993311701"/>
-                  </a:ext>
-                </a:extLst>
-              </a:tr>
-              <a:tr h="448761">
-                <a:tc>
-                  <a:txBody>
-                    <a:bodyPr/>
-                    <a:lstStyle/>
-                    <a:p>
-                      <a:r>
-                        <a:rPr lang="en-GB" dirty="0"/>
-                        <a:t>Calculate Shortest</a:t>
-                      </a:r>
-                      <a:r>
-                        <a:rPr lang="en-GB" baseline="0" dirty="0"/>
-                        <a:t> </a:t>
-                      </a:r>
-                      <a:r>
-                        <a:rPr lang="en-GB" dirty="0"/>
-                        <a:t>Path</a:t>
-                      </a:r>
-                    </a:p>
-                  </a:txBody>
-                  <a:tcPr/>
-                </a:tc>
-                <a:tc>
-                  <a:txBody>
-                    <a:bodyPr/>
-                    <a:lstStyle/>
-                    <a:p>
-                      <a:endParaRPr lang="en-GB"/>
-                    </a:p>
-                  </a:txBody>
-                  <a:tcPr/>
-                </a:tc>
-                <a:tc>
-                  <a:txBody>
-                    <a:bodyPr/>
-                    <a:lstStyle/>
-                    <a:p>
-                      <a:endParaRPr lang="en-GB"/>
-                    </a:p>
-                  </a:txBody>
-                  <a:tcPr/>
-                </a:tc>
-                <a:tc>
-                  <a:txBody>
-                    <a:bodyPr/>
-                    <a:lstStyle/>
-                    <a:p>
-                      <a:pPr algn="ctr"/>
-                      <a:r>
-                        <a:rPr lang="en-GB" dirty="0"/>
-                        <a:t>X</a:t>
-                      </a:r>
-                    </a:p>
-                  </a:txBody>
-                  <a:tcPr/>
-                </a:tc>
-                <a:extLst>
-                  <a:ext uri="{0D108BD9-81ED-4DB2-BD59-A6C34878D82A}">
-                    <a16:rowId xmlns:a16="http://schemas.microsoft.com/office/drawing/2014/main" val="2735101530"/>
-                  </a:ext>
-                </a:extLst>
-              </a:tr>
-              <a:tr h="448761">
-                <a:tc>
-                  <a:txBody>
-                    <a:bodyPr/>
-                    <a:lstStyle/>
-                    <a:p>
-                      <a:pPr algn="ctr"/>
-                      <a:r>
-                        <a:rPr lang="en-GB" dirty="0"/>
-                        <a:t>Payment</a:t>
-                      </a:r>
-                    </a:p>
-                  </a:txBody>
-                  <a:tcPr/>
-                </a:tc>
-                <a:tc>
-                  <a:txBody>
-                    <a:bodyPr/>
-                    <a:lstStyle/>
-                    <a:p>
-                      <a:endParaRPr lang="en-GB"/>
-                    </a:p>
-                  </a:txBody>
-                  <a:tcPr/>
-                </a:tc>
-                <a:tc>
-                  <a:txBody>
-                    <a:bodyPr/>
-                    <a:lstStyle/>
-                    <a:p>
-                      <a:pPr algn="ctr"/>
-                      <a:r>
-                        <a:rPr lang="en-GB" dirty="0"/>
-                        <a:t>(X)</a:t>
-                      </a:r>
-                    </a:p>
-                  </a:txBody>
-                  <a:tcPr/>
-                </a:tc>
-                <a:tc>
-                  <a:txBody>
-                    <a:bodyPr/>
-                    <a:lstStyle/>
-                    <a:p>
-                      <a:pPr algn="ctr"/>
-                      <a:endParaRPr lang="en-GB" dirty="0"/>
-                    </a:p>
-                  </a:txBody>
-                  <a:tcPr/>
-                </a:tc>
-                <a:extLst>
-                  <a:ext uri="{0D108BD9-81ED-4DB2-BD59-A6C34878D82A}">
-                    <a16:rowId xmlns:a16="http://schemas.microsoft.com/office/drawing/2014/main" val="3822256773"/>
-                  </a:ext>
-                </a:extLst>
-              </a:tr>
-            </a:tbl>
-          </a:graphicData>
-        </a:graphic>
-      </p:graphicFrame>
+        </p:nvPicPr>
+        <p:blipFill>
+          <a:blip r:embed="rId2">
+            <a:extLst>
+              <a:ext uri="{28A0092B-C50C-407E-A947-70E740481C1C}">
+                <a14:useLocalDpi xmlns:a14="http://schemas.microsoft.com/office/drawing/2010/main" val="0"/>
+              </a:ext>
+            </a:extLst>
+          </a:blip>
+          <a:stretch>
+            <a:fillRect/>
+          </a:stretch>
+        </p:blipFill>
+        <p:spPr>
+          <a:xfrm>
+            <a:off x="947615" y="1117600"/>
+            <a:ext cx="10515600" cy="5505627"/>
+          </a:xfrm>
+        </p:spPr>
+      </p:pic>
       <p:sp>
         <p:nvSpPr>
-          <p:cNvPr id="5" name="Segnaposto numero diapositiva 4"/>
+          <p:cNvPr id="4" name="Segnaposto numero diapositiva 3"/>
           <p:cNvSpPr>
             <a:spLocks noGrp="1"/>
           </p:cNvSpPr>
@@ -15415,7 +15430,7 @@
     </p:spTree>
     <p:extLst>
       <p:ext uri="{BB962C8B-B14F-4D97-AF65-F5344CB8AC3E}">
-        <p14:creationId xmlns:p14="http://schemas.microsoft.com/office/powerpoint/2010/main" val="2836127539"/>
+        <p14:creationId xmlns:p14="http://schemas.microsoft.com/office/powerpoint/2010/main" val="3783253610"/>
       </p:ext>
     </p:extLst>
   </p:cSld>
